--- a/Py B - unit 3.pptx
+++ b/Py B - unit 3.pptx
@@ -15,15 +15,14 @@
     <p:sldId id="291" r:id="rId9"/>
     <p:sldId id="297" r:id="rId10"/>
     <p:sldId id="292" r:id="rId11"/>
-    <p:sldId id="298" r:id="rId12"/>
-    <p:sldId id="289" r:id="rId13"/>
-    <p:sldId id="299" r:id="rId14"/>
-    <p:sldId id="290" r:id="rId15"/>
-    <p:sldId id="300" r:id="rId16"/>
-    <p:sldId id="294" r:id="rId17"/>
-    <p:sldId id="301" r:id="rId18"/>
-    <p:sldId id="293" r:id="rId19"/>
-    <p:sldId id="302" r:id="rId20"/>
+    <p:sldId id="289" r:id="rId12"/>
+    <p:sldId id="299" r:id="rId13"/>
+    <p:sldId id="290" r:id="rId14"/>
+    <p:sldId id="300" r:id="rId15"/>
+    <p:sldId id="294" r:id="rId16"/>
+    <p:sldId id="301" r:id="rId17"/>
+    <p:sldId id="293" r:id="rId18"/>
+    <p:sldId id="302" r:id="rId19"/>
   </p:sldIdLst>
   <p:sldSz cx="12192000" cy="6858000"/>
   <p:notesSz cx="6858000" cy="9144000"/>
@@ -128,14 +127,6 @@
     </p:ext>
   </p:extLst>
 </p:presentation>
-</file>
-
-<file path=ppt/revisionInfo.xml><?xml version="1.0" encoding="utf-8"?>
-<p1510:revInfo xmlns:a="http://schemas.openxmlformats.org/drawingml/2006/main" xmlns:r="http://schemas.openxmlformats.org/officeDocument/2006/relationships" xmlns:p1510="http://schemas.microsoft.com/office/powerpoint/2015/10/main">
-  <p1510:revLst>
-    <p1510:client id="{3FDD4BF6-6783-4A39-AE51-992956F9868D}" v="1" dt="2023-04-25T11:49:04.580"/>
-  </p1510:revLst>
-</p1510:revInfo>
 </file>
 
 <file path=ppt/changesInfos/changesInfo1.xml><?xml version="1.0" encoding="utf-8"?>
@@ -327,6 +318,37 @@
     </pc:docChg>
   </pc:docChgLst>
   <pc:docChgLst>
+    <pc:chgData name="Li Lixiang" userId="6104bbfcb56aea79" providerId="LiveId" clId="{5776241A-1620-4F5E-AFDE-05B04B448E95}"/>
+    <pc:docChg chg="delSld modSld">
+      <pc:chgData name="Li Lixiang" userId="6104bbfcb56aea79" providerId="LiveId" clId="{5776241A-1620-4F5E-AFDE-05B04B448E95}" dt="2023-05-12T02:36:13.915" v="1" actId="47"/>
+      <pc:docMkLst>
+        <pc:docMk/>
+      </pc:docMkLst>
+      <pc:sldChg chg="modSp mod">
+        <pc:chgData name="Li Lixiang" userId="6104bbfcb56aea79" providerId="LiveId" clId="{5776241A-1620-4F5E-AFDE-05B04B448E95}" dt="2023-05-12T02:32:27.436" v="0" actId="20577"/>
+        <pc:sldMkLst>
+          <pc:docMk/>
+          <pc:sldMk cId="3650079851" sldId="256"/>
+        </pc:sldMkLst>
+        <pc:spChg chg="mod">
+          <ac:chgData name="Li Lixiang" userId="6104bbfcb56aea79" providerId="LiveId" clId="{5776241A-1620-4F5E-AFDE-05B04B448E95}" dt="2023-05-12T02:32:27.436" v="0" actId="20577"/>
+          <ac:spMkLst>
+            <pc:docMk/>
+            <pc:sldMk cId="3650079851" sldId="256"/>
+            <ac:spMk id="4" creationId="{8DE6899A-D842-4C9E-ADC1-B0C1377122EA}"/>
+          </ac:spMkLst>
+        </pc:spChg>
+      </pc:sldChg>
+      <pc:sldChg chg="del">
+        <pc:chgData name="Li Lixiang" userId="6104bbfcb56aea79" providerId="LiveId" clId="{5776241A-1620-4F5E-AFDE-05B04B448E95}" dt="2023-05-12T02:36:13.915" v="1" actId="47"/>
+        <pc:sldMkLst>
+          <pc:docMk/>
+          <pc:sldMk cId="399355629" sldId="298"/>
+        </pc:sldMkLst>
+      </pc:sldChg>
+    </pc:docChg>
+  </pc:docChgLst>
+  <pc:docChgLst>
     <pc:chgData name="Li Lixiang" userId="6104bbfcb56aea79" providerId="LiveId" clId="{3FDD4BF6-6783-4A39-AE51-992956F9868D}"/>
     <pc:docChg chg="custSel addSld delSld modSld">
       <pc:chgData name="Li Lixiang" userId="6104bbfcb56aea79" providerId="LiveId" clId="{3FDD4BF6-6783-4A39-AE51-992956F9868D}" dt="2023-04-25T11:49:20.279" v="69" actId="20577"/>
@@ -2029,7 +2051,7 @@
             <a:fld id="{B61BEF0D-F0BB-DE4B-95CE-6DB70DBA9567}" type="datetimeFigureOut">
               <a:rPr lang="en-US" dirty="0"/>
               <a:pPr/>
-              <a:t>4/25/2023</a:t>
+              <a:t>5/12/2023</a:t>
             </a:fld>
             <a:endParaRPr lang="en-US" dirty="0"/>
           </a:p>
@@ -2360,7 +2382,7 @@
             <a:fld id="{B61BEF0D-F0BB-DE4B-95CE-6DB70DBA9567}" type="datetimeFigureOut">
               <a:rPr lang="en-US" dirty="0"/>
               <a:pPr/>
-              <a:t>4/25/2023</a:t>
+              <a:t>5/12/2023</a:t>
             </a:fld>
             <a:endParaRPr lang="en-US" dirty="0"/>
           </a:p>
@@ -2635,7 +2657,7 @@
             <a:fld id="{B61BEF0D-F0BB-DE4B-95CE-6DB70DBA9567}" type="datetimeFigureOut">
               <a:rPr lang="en-US" dirty="0"/>
               <a:pPr/>
-              <a:t>4/25/2023</a:t>
+              <a:t>5/12/2023</a:t>
             </a:fld>
             <a:endParaRPr lang="en-US" dirty="0"/>
           </a:p>
@@ -3200,7 +3222,7 @@
             <a:fld id="{B61BEF0D-F0BB-DE4B-95CE-6DB70DBA9567}" type="datetimeFigureOut">
               <a:rPr lang="en-US" dirty="0"/>
               <a:pPr/>
-              <a:t>4/25/2023</a:t>
+              <a:t>5/12/2023</a:t>
             </a:fld>
             <a:endParaRPr lang="en-US" dirty="0"/>
           </a:p>
@@ -3475,7 +3497,7 @@
             <a:fld id="{B61BEF0D-F0BB-DE4B-95CE-6DB70DBA9567}" type="datetimeFigureOut">
               <a:rPr lang="en-US" dirty="0"/>
               <a:pPr/>
-              <a:t>4/25/2023</a:t>
+              <a:t>5/12/2023</a:t>
             </a:fld>
             <a:endParaRPr lang="en-US" dirty="0"/>
           </a:p>
@@ -4034,7 +4056,7 @@
             <a:fld id="{B61BEF0D-F0BB-DE4B-95CE-6DB70DBA9567}" type="datetimeFigureOut">
               <a:rPr lang="en-US" dirty="0"/>
               <a:pPr/>
-              <a:t>4/25/2023</a:t>
+              <a:t>5/12/2023</a:t>
             </a:fld>
             <a:endParaRPr lang="en-US" dirty="0"/>
           </a:p>
@@ -4358,7 +4380,7 @@
             <a:fld id="{B61BEF0D-F0BB-DE4B-95CE-6DB70DBA9567}" type="datetimeFigureOut">
               <a:rPr lang="en-US" dirty="0"/>
               <a:pPr/>
-              <a:t>4/25/2023</a:t>
+              <a:t>5/12/2023</a:t>
             </a:fld>
             <a:endParaRPr lang="en-US" dirty="0"/>
           </a:p>
@@ -4532,7 +4554,7 @@
             <a:fld id="{B61BEF0D-F0BB-DE4B-95CE-6DB70DBA9567}" type="datetimeFigureOut">
               <a:rPr lang="en-US" dirty="0"/>
               <a:pPr/>
-              <a:t>4/25/2023</a:t>
+              <a:t>5/12/2023</a:t>
             </a:fld>
             <a:endParaRPr lang="en-US" dirty="0"/>
           </a:p>
@@ -4767,7 +4789,7 @@
             <a:fld id="{B61BEF0D-F0BB-DE4B-95CE-6DB70DBA9567}" type="datetimeFigureOut">
               <a:rPr lang="en-US" dirty="0"/>
               <a:pPr/>
-              <a:t>4/25/2023</a:t>
+              <a:t>5/12/2023</a:t>
             </a:fld>
             <a:endParaRPr lang="en-US" dirty="0"/>
           </a:p>
@@ -4964,7 +4986,7 @@
             <a:fld id="{B61BEF0D-F0BB-DE4B-95CE-6DB70DBA9567}" type="datetimeFigureOut">
               <a:rPr lang="en-US" dirty="0"/>
               <a:pPr/>
-              <a:t>4/25/2023</a:t>
+              <a:t>5/12/2023</a:t>
             </a:fld>
             <a:endParaRPr lang="en-US" dirty="0"/>
           </a:p>
@@ -5237,7 +5259,7 @@
             <a:fld id="{B61BEF0D-F0BB-DE4B-95CE-6DB70DBA9567}" type="datetimeFigureOut">
               <a:rPr lang="en-US" dirty="0"/>
               <a:pPr/>
-              <a:t>4/25/2023</a:t>
+              <a:t>5/12/2023</a:t>
             </a:fld>
             <a:endParaRPr lang="en-US" dirty="0"/>
           </a:p>
@@ -5500,7 +5522,7 @@
             <a:fld id="{B61BEF0D-F0BB-DE4B-95CE-6DB70DBA9567}" type="datetimeFigureOut">
               <a:rPr lang="en-US" dirty="0"/>
               <a:pPr/>
-              <a:t>4/25/2023</a:t>
+              <a:t>5/12/2023</a:t>
             </a:fld>
             <a:endParaRPr lang="en-US" dirty="0"/>
           </a:p>
@@ -5871,7 +5893,7 @@
             <a:fld id="{B61BEF0D-F0BB-DE4B-95CE-6DB70DBA9567}" type="datetimeFigureOut">
               <a:rPr lang="en-US" dirty="0"/>
               <a:pPr/>
-              <a:t>4/25/2023</a:t>
+              <a:t>5/12/2023</a:t>
             </a:fld>
             <a:endParaRPr lang="en-US" dirty="0"/>
           </a:p>
@@ -6016,7 +6038,7 @@
             <a:fld id="{B61BEF0D-F0BB-DE4B-95CE-6DB70DBA9567}" type="datetimeFigureOut">
               <a:rPr lang="en-US" dirty="0"/>
               <a:pPr/>
-              <a:t>4/25/2023</a:t>
+              <a:t>5/12/2023</a:t>
             </a:fld>
             <a:endParaRPr lang="en-US" dirty="0"/>
           </a:p>
@@ -6138,7 +6160,7 @@
             <a:fld id="{B61BEF0D-F0BB-DE4B-95CE-6DB70DBA9567}" type="datetimeFigureOut">
               <a:rPr lang="en-US" dirty="0"/>
               <a:pPr/>
-              <a:t>4/25/2023</a:t>
+              <a:t>5/12/2023</a:t>
             </a:fld>
             <a:endParaRPr lang="en-US" dirty="0"/>
           </a:p>
@@ -6420,7 +6442,7 @@
             <a:fld id="{B61BEF0D-F0BB-DE4B-95CE-6DB70DBA9567}" type="datetimeFigureOut">
               <a:rPr lang="en-US" dirty="0"/>
               <a:pPr/>
-              <a:t>4/25/2023</a:t>
+              <a:t>5/12/2023</a:t>
             </a:fld>
             <a:endParaRPr lang="en-US" dirty="0"/>
           </a:p>
@@ -6741,7 +6763,7 @@
             <a:fld id="{B61BEF0D-F0BB-DE4B-95CE-6DB70DBA9567}" type="datetimeFigureOut">
               <a:rPr lang="en-US" dirty="0"/>
               <a:pPr/>
-              <a:t>4/25/2023</a:t>
+              <a:t>5/12/2023</a:t>
             </a:fld>
             <a:endParaRPr lang="en-US" dirty="0"/>
           </a:p>
@@ -6952,7 +6974,7 @@
             <a:fld id="{B61BEF0D-F0BB-DE4B-95CE-6DB70DBA9567}" type="datetimeFigureOut">
               <a:rPr lang="en-US" dirty="0"/>
               <a:pPr/>
-              <a:t>4/25/2023</a:t>
+              <a:t>5/12/2023</a:t>
             </a:fld>
             <a:endParaRPr lang="en-US" dirty="0"/>
           </a:p>
@@ -7513,7 +7535,7 @@
           <a:p>
             <a:r>
               <a:rPr lang="en-MY"/>
-              <a:t>unit 3a </a:t>
+              <a:t>unit 3 </a:t>
             </a:r>
             <a:r>
               <a:rPr lang="en-MY" dirty="0"/>
@@ -7758,93 +7780,6 @@
       </p:grpSpPr>
       <p:sp>
         <p:nvSpPr>
-          <p:cNvPr id="2" name="标题 1">
-            <a:extLst>
-              <a:ext uri="{FF2B5EF4-FFF2-40B4-BE49-F238E27FC236}">
-                <a16:creationId xmlns:a16="http://schemas.microsoft.com/office/drawing/2014/main" id="{FC1500E4-3964-46A5-8A63-BF74162C33AA}"/>
-              </a:ext>
-            </a:extLst>
-          </p:cNvPr>
-          <p:cNvSpPr>
-            <a:spLocks noGrp="1"/>
-          </p:cNvSpPr>
-          <p:nvPr>
-            <p:ph type="ctrTitle"/>
-          </p:nvPr>
-        </p:nvSpPr>
-        <p:spPr/>
-        <p:txBody>
-          <a:bodyPr/>
-          <a:lstStyle/>
-          <a:p>
-            <a:r>
-              <a:rPr lang="en-US" dirty="0"/>
-              <a:t>Python programming</a:t>
-            </a:r>
-            <a:endParaRPr lang="en-MY" dirty="0"/>
-          </a:p>
-        </p:txBody>
-      </p:sp>
-      <p:sp>
-        <p:nvSpPr>
-          <p:cNvPr id="4" name="副标题 3">
-            <a:extLst>
-              <a:ext uri="{FF2B5EF4-FFF2-40B4-BE49-F238E27FC236}">
-                <a16:creationId xmlns:a16="http://schemas.microsoft.com/office/drawing/2014/main" id="{8DE6899A-D842-4C9E-ADC1-B0C1377122EA}"/>
-              </a:ext>
-            </a:extLst>
-          </p:cNvPr>
-          <p:cNvSpPr>
-            <a:spLocks noGrp="1"/>
-          </p:cNvSpPr>
-          <p:nvPr>
-            <p:ph type="subTitle" idx="1"/>
-          </p:nvPr>
-        </p:nvSpPr>
-        <p:spPr/>
-        <p:txBody>
-          <a:bodyPr/>
-          <a:lstStyle/>
-          <a:p>
-            <a:r>
-              <a:rPr lang="en-MY" dirty="0"/>
-              <a:t>unit 3a – function with variable arguments</a:t>
-            </a:r>
-          </a:p>
-        </p:txBody>
-      </p:sp>
-    </p:spTree>
-    <p:extLst>
-      <p:ext uri="{BB962C8B-B14F-4D97-AF65-F5344CB8AC3E}">
-        <p14:creationId xmlns:p14="http://schemas.microsoft.com/office/powerpoint/2010/main" val="399355629"/>
-      </p:ext>
-    </p:extLst>
-  </p:cSld>
-  <p:clrMapOvr>
-    <a:masterClrMapping/>
-  </p:clrMapOvr>
-</p:sld>
-</file>
-
-<file path=ppt/slides/slide12.xml><?xml version="1.0" encoding="utf-8"?>
-<p:sld xmlns:a="http://schemas.openxmlformats.org/drawingml/2006/main" xmlns:r="http://schemas.openxmlformats.org/officeDocument/2006/relationships" xmlns:p="http://schemas.openxmlformats.org/presentationml/2006/main">
-  <p:cSld>
-    <p:spTree>
-      <p:nvGrpSpPr>
-        <p:cNvPr id="1" name=""/>
-        <p:cNvGrpSpPr/>
-        <p:nvPr/>
-      </p:nvGrpSpPr>
-      <p:grpSpPr>
-        <a:xfrm>
-          <a:off x="0" y="0"/>
-          <a:ext cx="0" cy="0"/>
-          <a:chOff x="0" y="0"/>
-          <a:chExt cx="0" cy="0"/>
-        </a:xfrm>
-      </p:grpSpPr>
-      <p:sp>
-        <p:nvSpPr>
           <p:cNvPr id="2" name="Title 1">
             <a:extLst>
               <a:ext uri="{FF2B5EF4-FFF2-40B4-BE49-F238E27FC236}">
@@ -8274,7 +8209,7 @@
 </p:sld>
 </file>
 
-<file path=ppt/slides/slide13.xml><?xml version="1.0" encoding="utf-8"?>
+<file path=ppt/slides/slide12.xml><?xml version="1.0" encoding="utf-8"?>
 <p:sld xmlns:a="http://schemas.openxmlformats.org/drawingml/2006/main" xmlns:r="http://schemas.openxmlformats.org/officeDocument/2006/relationships" xmlns:p="http://schemas.openxmlformats.org/presentationml/2006/main">
   <p:cSld>
     <p:spTree>
@@ -8354,6 +8289,166 @@
     <p:extLst>
       <p:ext uri="{BB962C8B-B14F-4D97-AF65-F5344CB8AC3E}">
         <p14:creationId xmlns:p14="http://schemas.microsoft.com/office/powerpoint/2010/main" val="1337673820"/>
+      </p:ext>
+    </p:extLst>
+  </p:cSld>
+  <p:clrMapOvr>
+    <a:masterClrMapping/>
+  </p:clrMapOvr>
+</p:sld>
+</file>
+
+<file path=ppt/slides/slide13.xml><?xml version="1.0" encoding="utf-8"?>
+<p:sld xmlns:a="http://schemas.openxmlformats.org/drawingml/2006/main" xmlns:r="http://schemas.openxmlformats.org/officeDocument/2006/relationships" xmlns:p="http://schemas.openxmlformats.org/presentationml/2006/main">
+  <p:cSld>
+    <p:spTree>
+      <p:nvGrpSpPr>
+        <p:cNvPr id="1" name=""/>
+        <p:cNvGrpSpPr/>
+        <p:nvPr/>
+      </p:nvGrpSpPr>
+      <p:grpSpPr>
+        <a:xfrm>
+          <a:off x="0" y="0"/>
+          <a:ext cx="0" cy="0"/>
+          <a:chOff x="0" y="0"/>
+          <a:chExt cx="0" cy="0"/>
+        </a:xfrm>
+      </p:grpSpPr>
+      <p:sp>
+        <p:nvSpPr>
+          <p:cNvPr id="2" name="Title 1">
+            <a:extLst>
+              <a:ext uri="{FF2B5EF4-FFF2-40B4-BE49-F238E27FC236}">
+                <a16:creationId xmlns:a16="http://schemas.microsoft.com/office/drawing/2014/main" id="{D947D2DF-FCBF-47C3-9EC9-872096C568C7}"/>
+              </a:ext>
+            </a:extLst>
+          </p:cNvPr>
+          <p:cNvSpPr>
+            <a:spLocks noGrp="1"/>
+          </p:cNvSpPr>
+          <p:nvPr>
+            <p:ph type="title"/>
+          </p:nvPr>
+        </p:nvSpPr>
+        <p:spPr>
+          <a:xfrm>
+            <a:off x="685801" y="39148"/>
+            <a:ext cx="10131425" cy="1456267"/>
+          </a:xfrm>
+        </p:spPr>
+        <p:txBody>
+          <a:bodyPr/>
+          <a:lstStyle/>
+          <a:p>
+            <a:r>
+              <a:rPr lang="en-US" dirty="0"/>
+              <a:t>Variable number of named arguments</a:t>
+            </a:r>
+            <a:endParaRPr lang="en-MY" dirty="0"/>
+          </a:p>
+        </p:txBody>
+      </p:sp>
+      <p:sp>
+        <p:nvSpPr>
+          <p:cNvPr id="15" name="内容占位符 2">
+            <a:extLst>
+              <a:ext uri="{FF2B5EF4-FFF2-40B4-BE49-F238E27FC236}">
+                <a16:creationId xmlns:a16="http://schemas.microsoft.com/office/drawing/2014/main" id="{F6E4BC8C-67FE-44C5-8DAE-60B51939EF5A}"/>
+              </a:ext>
+            </a:extLst>
+          </p:cNvPr>
+          <p:cNvSpPr>
+            <a:spLocks noGrp="1"/>
+          </p:cNvSpPr>
+          <p:nvPr>
+            <p:ph idx="1"/>
+          </p:nvPr>
+        </p:nvSpPr>
+        <p:spPr>
+          <a:xfrm>
+            <a:off x="769689" y="3276825"/>
+            <a:ext cx="8575479" cy="1984248"/>
+          </a:xfrm>
+        </p:spPr>
+        <p:txBody>
+          <a:bodyPr anchor="t">
+            <a:normAutofit/>
+          </a:bodyPr>
+          <a:lstStyle/>
+          <a:p>
+            <a:r>
+              <a:rPr lang="en-US" dirty="0"/>
+              <a:t>When call the function, all values are packed together like a </a:t>
+            </a:r>
+            <a:r>
+              <a:rPr lang="en-US" dirty="0" err="1"/>
+              <a:t>dict</a:t>
+            </a:r>
+            <a:r>
+              <a:rPr lang="en-MY" dirty="0"/>
+              <a:t>. Keywords are packed as keys, values are packed as values</a:t>
+            </a:r>
+          </a:p>
+          <a:p>
+            <a:r>
+              <a:rPr lang="en-MY" dirty="0"/>
+              <a:t>Inside function can take all items from the </a:t>
+            </a:r>
+            <a:r>
+              <a:rPr lang="en-MY" dirty="0" err="1"/>
+              <a:t>dict</a:t>
+            </a:r>
+            <a:r>
+              <a:rPr lang="en-MY" dirty="0"/>
+              <a:t> and use the key: value pairs.</a:t>
+            </a:r>
+          </a:p>
+          <a:p>
+            <a:r>
+              <a:rPr lang="en-MY" dirty="0"/>
+              <a:t>Variable number arguments must be the last in position.</a:t>
+            </a:r>
+          </a:p>
+          <a:p>
+            <a:endParaRPr lang="en-MY" dirty="0"/>
+          </a:p>
+        </p:txBody>
+      </p:sp>
+      <p:pic>
+        <p:nvPicPr>
+          <p:cNvPr id="4" name="Picture 3">
+            <a:extLst>
+              <a:ext uri="{FF2B5EF4-FFF2-40B4-BE49-F238E27FC236}">
+                <a16:creationId xmlns:a16="http://schemas.microsoft.com/office/drawing/2014/main" id="{C4C1A119-EEF6-4A03-A0E1-9E3623E1FB9E}"/>
+              </a:ext>
+            </a:extLst>
+          </p:cNvPr>
+          <p:cNvPicPr>
+            <a:picLocks noChangeAspect="1"/>
+          </p:cNvPicPr>
+          <p:nvPr/>
+        </p:nvPicPr>
+        <p:blipFill>
+          <a:blip r:embed="rId2"/>
+          <a:stretch>
+            <a:fillRect/>
+          </a:stretch>
+        </p:blipFill>
+        <p:spPr>
+          <a:xfrm>
+            <a:off x="1374226" y="1596927"/>
+            <a:ext cx="7868748" cy="1000265"/>
+          </a:xfrm>
+          <a:prstGeom prst="rect">
+            <a:avLst/>
+          </a:prstGeom>
+        </p:spPr>
+      </p:pic>
+    </p:spTree>
+    <p:extLst>
+      <p:ext uri="{BB962C8B-B14F-4D97-AF65-F5344CB8AC3E}">
+        <p14:creationId xmlns:p14="http://schemas.microsoft.com/office/powerpoint/2010/main" val="1241975191"/>
       </p:ext>
     </p:extLst>
   </p:cSld>
@@ -8385,7 +8480,7 @@
           <p:cNvPr id="2" name="Title 1">
             <a:extLst>
               <a:ext uri="{FF2B5EF4-FFF2-40B4-BE49-F238E27FC236}">
-                <a16:creationId xmlns:a16="http://schemas.microsoft.com/office/drawing/2014/main" id="{D947D2DF-FCBF-47C3-9EC9-872096C568C7}"/>
+                <a16:creationId xmlns:a16="http://schemas.microsoft.com/office/drawing/2014/main" id="{DCA24933-74A6-4A51-B9CC-8AA9D06DE507}"/>
               </a:ext>
             </a:extLst>
           </p:cNvPr>
@@ -8396,96 +8491,25 @@
             <p:ph type="title"/>
           </p:nvPr>
         </p:nvSpPr>
-        <p:spPr>
-          <a:xfrm>
-            <a:off x="685801" y="39148"/>
-            <a:ext cx="10131425" cy="1456267"/>
-          </a:xfrm>
-        </p:spPr>
+        <p:spPr/>
         <p:txBody>
           <a:bodyPr/>
           <a:lstStyle/>
           <a:p>
             <a:r>
               <a:rPr lang="en-US" dirty="0"/>
-              <a:t>Variable number of named arguments</a:t>
+              <a:t>In class practice: what is the result for those code?</a:t>
             </a:r>
             <a:endParaRPr lang="en-MY" dirty="0"/>
           </a:p>
         </p:txBody>
       </p:sp>
-      <p:sp>
-        <p:nvSpPr>
-          <p:cNvPr id="15" name="内容占位符 2">
+      <p:pic>
+        <p:nvPicPr>
+          <p:cNvPr id="5" name="Picture 4">
             <a:extLst>
               <a:ext uri="{FF2B5EF4-FFF2-40B4-BE49-F238E27FC236}">
-                <a16:creationId xmlns:a16="http://schemas.microsoft.com/office/drawing/2014/main" id="{F6E4BC8C-67FE-44C5-8DAE-60B51939EF5A}"/>
-              </a:ext>
-            </a:extLst>
-          </p:cNvPr>
-          <p:cNvSpPr>
-            <a:spLocks noGrp="1"/>
-          </p:cNvSpPr>
-          <p:nvPr>
-            <p:ph idx="1"/>
-          </p:nvPr>
-        </p:nvSpPr>
-        <p:spPr>
-          <a:xfrm>
-            <a:off x="769689" y="3276825"/>
-            <a:ext cx="8575479" cy="1984248"/>
-          </a:xfrm>
-        </p:spPr>
-        <p:txBody>
-          <a:bodyPr anchor="t">
-            <a:normAutofit/>
-          </a:bodyPr>
-          <a:lstStyle/>
-          <a:p>
-            <a:r>
-              <a:rPr lang="en-US" dirty="0"/>
-              <a:t>When call the function, all values are packed together like a </a:t>
-            </a:r>
-            <a:r>
-              <a:rPr lang="en-US" dirty="0" err="1"/>
-              <a:t>dict</a:t>
-            </a:r>
-            <a:r>
-              <a:rPr lang="en-MY" dirty="0"/>
-              <a:t>. Keywords are packed as keys, values are packed as values</a:t>
-            </a:r>
-          </a:p>
-          <a:p>
-            <a:r>
-              <a:rPr lang="en-MY" dirty="0"/>
-              <a:t>Inside function can take all items from the </a:t>
-            </a:r>
-            <a:r>
-              <a:rPr lang="en-MY" dirty="0" err="1"/>
-              <a:t>dict</a:t>
-            </a:r>
-            <a:r>
-              <a:rPr lang="en-MY" dirty="0"/>
-              <a:t> and use the key: value pairs.</a:t>
-            </a:r>
-          </a:p>
-          <a:p>
-            <a:r>
-              <a:rPr lang="en-MY" dirty="0"/>
-              <a:t>Variable number arguments must be the last in position.</a:t>
-            </a:r>
-          </a:p>
-          <a:p>
-            <a:endParaRPr lang="en-MY" dirty="0"/>
-          </a:p>
-        </p:txBody>
-      </p:sp>
-      <p:pic>
-        <p:nvPicPr>
-          <p:cNvPr id="4" name="Picture 3">
-            <a:extLst>
-              <a:ext uri="{FF2B5EF4-FFF2-40B4-BE49-F238E27FC236}">
-                <a16:creationId xmlns:a16="http://schemas.microsoft.com/office/drawing/2014/main" id="{C4C1A119-EEF6-4A03-A0E1-9E3623E1FB9E}"/>
+                <a16:creationId xmlns:a16="http://schemas.microsoft.com/office/drawing/2014/main" id="{14C9E1F3-DBA5-4F54-BD74-49E6665B43A5}"/>
               </a:ext>
             </a:extLst>
           </p:cNvPr>
@@ -8502,8 +8526,8 @@
         </p:blipFill>
         <p:spPr>
           <a:xfrm>
-            <a:off x="1374226" y="1596927"/>
-            <a:ext cx="7868748" cy="1000265"/>
+            <a:off x="1497375" y="2718040"/>
+            <a:ext cx="3258005" cy="1752845"/>
           </a:xfrm>
           <a:prstGeom prst="rect">
             <a:avLst/>
@@ -8513,7 +8537,7 @@
     </p:spTree>
     <p:extLst>
       <p:ext uri="{BB962C8B-B14F-4D97-AF65-F5344CB8AC3E}">
-        <p14:creationId xmlns:p14="http://schemas.microsoft.com/office/powerpoint/2010/main" val="1241975191"/>
+        <p14:creationId xmlns:p14="http://schemas.microsoft.com/office/powerpoint/2010/main" val="2050573411"/>
       </p:ext>
     </p:extLst>
   </p:cSld>
@@ -8545,7 +8569,7 @@
           <p:cNvPr id="2" name="Title 1">
             <a:extLst>
               <a:ext uri="{FF2B5EF4-FFF2-40B4-BE49-F238E27FC236}">
-                <a16:creationId xmlns:a16="http://schemas.microsoft.com/office/drawing/2014/main" id="{DCA24933-74A6-4A51-B9CC-8AA9D06DE507}"/>
+                <a16:creationId xmlns:a16="http://schemas.microsoft.com/office/drawing/2014/main" id="{AD009BA9-B9BE-4248-8426-7DC6E216874D}"/>
               </a:ext>
             </a:extLst>
           </p:cNvPr>
@@ -8563,18 +8587,78 @@
           <a:p>
             <a:r>
               <a:rPr lang="en-US" dirty="0"/>
-              <a:t>In class practice: what is the result for those code?</a:t>
-            </a:r>
+              <a:t>* And ** in function call</a:t>
+            </a:r>
+            <a:endParaRPr lang="en-MY" dirty="0"/>
+          </a:p>
+        </p:txBody>
+      </p:sp>
+      <p:sp>
+        <p:nvSpPr>
+          <p:cNvPr id="4" name="内容占位符 2">
+            <a:extLst>
+              <a:ext uri="{FF2B5EF4-FFF2-40B4-BE49-F238E27FC236}">
+                <a16:creationId xmlns:a16="http://schemas.microsoft.com/office/drawing/2014/main" id="{79CAE4BD-3931-4E57-A03E-1DB1A5FFC6B3}"/>
+              </a:ext>
+            </a:extLst>
+          </p:cNvPr>
+          <p:cNvSpPr>
+            <a:spLocks noGrp="1"/>
+          </p:cNvSpPr>
+          <p:nvPr>
+            <p:ph idx="1"/>
+          </p:nvPr>
+        </p:nvSpPr>
+        <p:spPr>
+          <a:xfrm>
+            <a:off x="794856" y="2572151"/>
+            <a:ext cx="6260285" cy="1984248"/>
+          </a:xfrm>
+        </p:spPr>
+        <p:txBody>
+          <a:bodyPr anchor="t">
+            <a:normAutofit/>
+          </a:bodyPr>
+          <a:lstStyle/>
+          <a:p>
+            <a:r>
+              <a:rPr lang="en-US" dirty="0"/>
+              <a:t>* can be used with list or other </a:t>
+            </a:r>
+            <a:r>
+              <a:rPr lang="en-US" dirty="0" err="1"/>
+              <a:t>iterables</a:t>
+            </a:r>
+            <a:r>
+              <a:rPr lang="en-US" dirty="0"/>
+              <a:t>, to give parameter to variable arguments to a function when doing a function call.</a:t>
+            </a:r>
+          </a:p>
+          <a:p>
+            <a:r>
+              <a:rPr lang="en-US" dirty="0"/>
+              <a:t>** can be used with </a:t>
+            </a:r>
+            <a:r>
+              <a:rPr lang="en-US" dirty="0" err="1"/>
+              <a:t>dict</a:t>
+            </a:r>
+            <a:r>
+              <a:rPr lang="en-US" dirty="0"/>
+              <a:t>, to give parameter to keyword variable arguments when doing a function call.</a:t>
+            </a:r>
+          </a:p>
+          <a:p>
             <a:endParaRPr lang="en-MY" dirty="0"/>
           </a:p>
         </p:txBody>
       </p:sp>
       <p:pic>
         <p:nvPicPr>
-          <p:cNvPr id="5" name="Picture 4">
+          <p:cNvPr id="6" name="Picture 5">
             <a:extLst>
               <a:ext uri="{FF2B5EF4-FFF2-40B4-BE49-F238E27FC236}">
-                <a16:creationId xmlns:a16="http://schemas.microsoft.com/office/drawing/2014/main" id="{14C9E1F3-DBA5-4F54-BD74-49E6665B43A5}"/>
+                <a16:creationId xmlns:a16="http://schemas.microsoft.com/office/drawing/2014/main" id="{0D8D8A97-82EF-4B33-8B3D-B72CB3DFFF24}"/>
               </a:ext>
             </a:extLst>
           </p:cNvPr>
@@ -8591,8 +8675,38 @@
         </p:blipFill>
         <p:spPr>
           <a:xfrm>
-            <a:off x="1497375" y="2718040"/>
-            <a:ext cx="3258005" cy="1752845"/>
+            <a:off x="7911217" y="1931643"/>
+            <a:ext cx="3410426" cy="2391109"/>
+          </a:xfrm>
+          <a:prstGeom prst="rect">
+            <a:avLst/>
+          </a:prstGeom>
+        </p:spPr>
+      </p:pic>
+      <p:pic>
+        <p:nvPicPr>
+          <p:cNvPr id="8" name="Picture 7">
+            <a:extLst>
+              <a:ext uri="{FF2B5EF4-FFF2-40B4-BE49-F238E27FC236}">
+                <a16:creationId xmlns:a16="http://schemas.microsoft.com/office/drawing/2014/main" id="{E862C698-F704-421B-B667-0082BAA41C71}"/>
+              </a:ext>
+            </a:extLst>
+          </p:cNvPr>
+          <p:cNvPicPr>
+            <a:picLocks noChangeAspect="1"/>
+          </p:cNvPicPr>
+          <p:nvPr/>
+        </p:nvPicPr>
+        <p:blipFill>
+          <a:blip r:embed="rId3"/>
+          <a:stretch>
+            <a:fillRect/>
+          </a:stretch>
+        </p:blipFill>
+        <p:spPr>
+          <a:xfrm>
+            <a:off x="7911217" y="4710345"/>
+            <a:ext cx="2381582" cy="1009791"/>
           </a:xfrm>
           <a:prstGeom prst="rect">
             <a:avLst/>
@@ -8602,7 +8716,7 @@
     </p:spTree>
     <p:extLst>
       <p:ext uri="{BB962C8B-B14F-4D97-AF65-F5344CB8AC3E}">
-        <p14:creationId xmlns:p14="http://schemas.microsoft.com/office/powerpoint/2010/main" val="2050573411"/>
+        <p14:creationId xmlns:p14="http://schemas.microsoft.com/office/powerpoint/2010/main" val="692569666"/>
       </p:ext>
     </p:extLst>
   </p:cSld>
@@ -8634,7 +8748,7 @@
           <p:cNvPr id="2" name="Title 1">
             <a:extLst>
               <a:ext uri="{FF2B5EF4-FFF2-40B4-BE49-F238E27FC236}">
-                <a16:creationId xmlns:a16="http://schemas.microsoft.com/office/drawing/2014/main" id="{AD009BA9-B9BE-4248-8426-7DC6E216874D}"/>
+                <a16:creationId xmlns:a16="http://schemas.microsoft.com/office/drawing/2014/main" id="{7023638B-A1C5-49A2-B972-EA57AF607941}"/>
               </a:ext>
             </a:extLst>
           </p:cNvPr>
@@ -8652,78 +8766,18 @@
           <a:p>
             <a:r>
               <a:rPr lang="en-US" dirty="0"/>
-              <a:t>* And ** in function call</a:t>
+              <a:t>In class practice: what is the result for those code?</a:t>
             </a:r>
             <a:endParaRPr lang="en-MY" dirty="0"/>
           </a:p>
         </p:txBody>
       </p:sp>
-      <p:sp>
-        <p:nvSpPr>
-          <p:cNvPr id="4" name="内容占位符 2">
+      <p:pic>
+        <p:nvPicPr>
+          <p:cNvPr id="4" name="Picture 3">
             <a:extLst>
               <a:ext uri="{FF2B5EF4-FFF2-40B4-BE49-F238E27FC236}">
-                <a16:creationId xmlns:a16="http://schemas.microsoft.com/office/drawing/2014/main" id="{79CAE4BD-3931-4E57-A03E-1DB1A5FFC6B3}"/>
-              </a:ext>
-            </a:extLst>
-          </p:cNvPr>
-          <p:cNvSpPr>
-            <a:spLocks noGrp="1"/>
-          </p:cNvSpPr>
-          <p:nvPr>
-            <p:ph idx="1"/>
-          </p:nvPr>
-        </p:nvSpPr>
-        <p:spPr>
-          <a:xfrm>
-            <a:off x="794856" y="2572151"/>
-            <a:ext cx="6260285" cy="1984248"/>
-          </a:xfrm>
-        </p:spPr>
-        <p:txBody>
-          <a:bodyPr anchor="t">
-            <a:normAutofit/>
-          </a:bodyPr>
-          <a:lstStyle/>
-          <a:p>
-            <a:r>
-              <a:rPr lang="en-US" dirty="0"/>
-              <a:t>* can be used with list or other </a:t>
-            </a:r>
-            <a:r>
-              <a:rPr lang="en-US" dirty="0" err="1"/>
-              <a:t>iterables</a:t>
-            </a:r>
-            <a:r>
-              <a:rPr lang="en-US" dirty="0"/>
-              <a:t>, to give parameter to variable arguments to a function when doing a function call.</a:t>
-            </a:r>
-          </a:p>
-          <a:p>
-            <a:r>
-              <a:rPr lang="en-US" dirty="0"/>
-              <a:t>** can be used with </a:t>
-            </a:r>
-            <a:r>
-              <a:rPr lang="en-US" dirty="0" err="1"/>
-              <a:t>dict</a:t>
-            </a:r>
-            <a:r>
-              <a:rPr lang="en-US" dirty="0"/>
-              <a:t>, to give parameter to keyword variable arguments when doing a function call.</a:t>
-            </a:r>
-          </a:p>
-          <a:p>
-            <a:endParaRPr lang="en-MY" dirty="0"/>
-          </a:p>
-        </p:txBody>
-      </p:sp>
-      <p:pic>
-        <p:nvPicPr>
-          <p:cNvPr id="6" name="Picture 5">
-            <a:extLst>
-              <a:ext uri="{FF2B5EF4-FFF2-40B4-BE49-F238E27FC236}">
-                <a16:creationId xmlns:a16="http://schemas.microsoft.com/office/drawing/2014/main" id="{0D8D8A97-82EF-4B33-8B3D-B72CB3DFFF24}"/>
+                <a16:creationId xmlns:a16="http://schemas.microsoft.com/office/drawing/2014/main" id="{578FF319-95E7-4A5B-B061-4D3FEFF1AED9}"/>
               </a:ext>
             </a:extLst>
           </p:cNvPr>
@@ -8740,38 +8794,8 @@
         </p:blipFill>
         <p:spPr>
           <a:xfrm>
-            <a:off x="7911217" y="1931643"/>
-            <a:ext cx="3410426" cy="2391109"/>
-          </a:xfrm>
-          <a:prstGeom prst="rect">
-            <a:avLst/>
-          </a:prstGeom>
-        </p:spPr>
-      </p:pic>
-      <p:pic>
-        <p:nvPicPr>
-          <p:cNvPr id="8" name="Picture 7">
-            <a:extLst>
-              <a:ext uri="{FF2B5EF4-FFF2-40B4-BE49-F238E27FC236}">
-                <a16:creationId xmlns:a16="http://schemas.microsoft.com/office/drawing/2014/main" id="{E862C698-F704-421B-B667-0082BAA41C71}"/>
-              </a:ext>
-            </a:extLst>
-          </p:cNvPr>
-          <p:cNvPicPr>
-            <a:picLocks noChangeAspect="1"/>
-          </p:cNvPicPr>
-          <p:nvPr/>
-        </p:nvPicPr>
-        <p:blipFill>
-          <a:blip r:embed="rId3"/>
-          <a:stretch>
-            <a:fillRect/>
-          </a:stretch>
-        </p:blipFill>
-        <p:spPr>
-          <a:xfrm>
-            <a:off x="7911217" y="4710345"/>
-            <a:ext cx="2381582" cy="1009791"/>
+            <a:off x="1666783" y="2501776"/>
+            <a:ext cx="3267531" cy="2429214"/>
           </a:xfrm>
           <a:prstGeom prst="rect">
             <a:avLst/>
@@ -8781,7 +8805,7 @@
     </p:spTree>
     <p:extLst>
       <p:ext uri="{BB962C8B-B14F-4D97-AF65-F5344CB8AC3E}">
-        <p14:creationId xmlns:p14="http://schemas.microsoft.com/office/powerpoint/2010/main" val="692569666"/>
+        <p14:creationId xmlns:p14="http://schemas.microsoft.com/office/powerpoint/2010/main" val="1431496112"/>
       </p:ext>
     </p:extLst>
   </p:cSld>
@@ -8813,95 +8837,6 @@
           <p:cNvPr id="2" name="Title 1">
             <a:extLst>
               <a:ext uri="{FF2B5EF4-FFF2-40B4-BE49-F238E27FC236}">
-                <a16:creationId xmlns:a16="http://schemas.microsoft.com/office/drawing/2014/main" id="{7023638B-A1C5-49A2-B972-EA57AF607941}"/>
-              </a:ext>
-            </a:extLst>
-          </p:cNvPr>
-          <p:cNvSpPr>
-            <a:spLocks noGrp="1"/>
-          </p:cNvSpPr>
-          <p:nvPr>
-            <p:ph type="title"/>
-          </p:nvPr>
-        </p:nvSpPr>
-        <p:spPr/>
-        <p:txBody>
-          <a:bodyPr/>
-          <a:lstStyle/>
-          <a:p>
-            <a:r>
-              <a:rPr lang="en-US" dirty="0"/>
-              <a:t>In class practice: what is the result for those code?</a:t>
-            </a:r>
-            <a:endParaRPr lang="en-MY" dirty="0"/>
-          </a:p>
-        </p:txBody>
-      </p:sp>
-      <p:pic>
-        <p:nvPicPr>
-          <p:cNvPr id="4" name="Picture 3">
-            <a:extLst>
-              <a:ext uri="{FF2B5EF4-FFF2-40B4-BE49-F238E27FC236}">
-                <a16:creationId xmlns:a16="http://schemas.microsoft.com/office/drawing/2014/main" id="{578FF319-95E7-4A5B-B061-4D3FEFF1AED9}"/>
-              </a:ext>
-            </a:extLst>
-          </p:cNvPr>
-          <p:cNvPicPr>
-            <a:picLocks noChangeAspect="1"/>
-          </p:cNvPicPr>
-          <p:nvPr/>
-        </p:nvPicPr>
-        <p:blipFill>
-          <a:blip r:embed="rId2"/>
-          <a:stretch>
-            <a:fillRect/>
-          </a:stretch>
-        </p:blipFill>
-        <p:spPr>
-          <a:xfrm>
-            <a:off x="1666783" y="2501776"/>
-            <a:ext cx="3267531" cy="2429214"/>
-          </a:xfrm>
-          <a:prstGeom prst="rect">
-            <a:avLst/>
-          </a:prstGeom>
-        </p:spPr>
-      </p:pic>
-    </p:spTree>
-    <p:extLst>
-      <p:ext uri="{BB962C8B-B14F-4D97-AF65-F5344CB8AC3E}">
-        <p14:creationId xmlns:p14="http://schemas.microsoft.com/office/powerpoint/2010/main" val="1431496112"/>
-      </p:ext>
-    </p:extLst>
-  </p:cSld>
-  <p:clrMapOvr>
-    <a:masterClrMapping/>
-  </p:clrMapOvr>
-</p:sld>
-</file>
-
-<file path=ppt/slides/slide18.xml><?xml version="1.0" encoding="utf-8"?>
-<p:sld xmlns:a="http://schemas.openxmlformats.org/drawingml/2006/main" xmlns:r="http://schemas.openxmlformats.org/officeDocument/2006/relationships" xmlns:p="http://schemas.openxmlformats.org/presentationml/2006/main">
-  <p:cSld>
-    <p:spTree>
-      <p:nvGrpSpPr>
-        <p:cNvPr id="1" name=""/>
-        <p:cNvGrpSpPr/>
-        <p:nvPr/>
-      </p:nvGrpSpPr>
-      <p:grpSpPr>
-        <a:xfrm>
-          <a:off x="0" y="0"/>
-          <a:ext cx="0" cy="0"/>
-          <a:chOff x="0" y="0"/>
-          <a:chExt cx="0" cy="0"/>
-        </a:xfrm>
-      </p:grpSpPr>
-      <p:sp>
-        <p:nvSpPr>
-          <p:cNvPr id="2" name="Title 1">
-            <a:extLst>
-              <a:ext uri="{FF2B5EF4-FFF2-40B4-BE49-F238E27FC236}">
                 <a16:creationId xmlns:a16="http://schemas.microsoft.com/office/drawing/2014/main" id="{71EFE268-ED58-459E-9A77-F9480181D00F}"/>
               </a:ext>
             </a:extLst>
@@ -9009,7 +8944,7 @@
 </p:sld>
 </file>
 
-<file path=ppt/slides/slide19.xml><?xml version="1.0" encoding="utf-8"?>
+<file path=ppt/slides/slide18.xml><?xml version="1.0" encoding="utf-8"?>
 <p:sld xmlns:a="http://schemas.openxmlformats.org/drawingml/2006/main" xmlns:r="http://schemas.openxmlformats.org/officeDocument/2006/relationships" xmlns:p="http://schemas.openxmlformats.org/presentationml/2006/main">
   <p:cSld>
     <p:spTree>
